--- a/Lines.pptx
+++ b/Lines.pptx
@@ -260,7 +260,7 @@
           <a:p>
             <a:fld id="{6A507EA9-AE11-CD42-BE9D-4CB8728E4A7A}" type="datetimeFigureOut">
               <a:rPr lang="en-GB" smtClean="0"/>
-              <a:t>21/05/2018</a:t>
+              <a:t>22/05/2018</a:t>
             </a:fld>
             <a:endParaRPr lang="en-GB"/>
           </a:p>
@@ -430,7 +430,7 @@
           <a:p>
             <a:fld id="{6A507EA9-AE11-CD42-BE9D-4CB8728E4A7A}" type="datetimeFigureOut">
               <a:rPr lang="en-GB" smtClean="0"/>
-              <a:t>21/05/2018</a:t>
+              <a:t>22/05/2018</a:t>
             </a:fld>
             <a:endParaRPr lang="en-GB"/>
           </a:p>
@@ -610,7 +610,7 @@
           <a:p>
             <a:fld id="{6A507EA9-AE11-CD42-BE9D-4CB8728E4A7A}" type="datetimeFigureOut">
               <a:rPr lang="en-GB" smtClean="0"/>
-              <a:t>21/05/2018</a:t>
+              <a:t>22/05/2018</a:t>
             </a:fld>
             <a:endParaRPr lang="en-GB"/>
           </a:p>
@@ -780,7 +780,7 @@
           <a:p>
             <a:fld id="{6A507EA9-AE11-CD42-BE9D-4CB8728E4A7A}" type="datetimeFigureOut">
               <a:rPr lang="en-GB" smtClean="0"/>
-              <a:t>21/05/2018</a:t>
+              <a:t>22/05/2018</a:t>
             </a:fld>
             <a:endParaRPr lang="en-GB"/>
           </a:p>
@@ -1024,7 +1024,7 @@
           <a:p>
             <a:fld id="{6A507EA9-AE11-CD42-BE9D-4CB8728E4A7A}" type="datetimeFigureOut">
               <a:rPr lang="en-GB" smtClean="0"/>
-              <a:t>21/05/2018</a:t>
+              <a:t>22/05/2018</a:t>
             </a:fld>
             <a:endParaRPr lang="en-GB"/>
           </a:p>
@@ -1256,7 +1256,7 @@
           <a:p>
             <a:fld id="{6A507EA9-AE11-CD42-BE9D-4CB8728E4A7A}" type="datetimeFigureOut">
               <a:rPr lang="en-GB" smtClean="0"/>
-              <a:t>21/05/2018</a:t>
+              <a:t>22/05/2018</a:t>
             </a:fld>
             <a:endParaRPr lang="en-GB"/>
           </a:p>
@@ -1623,7 +1623,7 @@
           <a:p>
             <a:fld id="{6A507EA9-AE11-CD42-BE9D-4CB8728E4A7A}" type="datetimeFigureOut">
               <a:rPr lang="en-GB" smtClean="0"/>
-              <a:t>21/05/2018</a:t>
+              <a:t>22/05/2018</a:t>
             </a:fld>
             <a:endParaRPr lang="en-GB"/>
           </a:p>
@@ -1741,7 +1741,7 @@
           <a:p>
             <a:fld id="{6A507EA9-AE11-CD42-BE9D-4CB8728E4A7A}" type="datetimeFigureOut">
               <a:rPr lang="en-GB" smtClean="0"/>
-              <a:t>21/05/2018</a:t>
+              <a:t>22/05/2018</a:t>
             </a:fld>
             <a:endParaRPr lang="en-GB"/>
           </a:p>
@@ -1836,7 +1836,7 @@
           <a:p>
             <a:fld id="{6A507EA9-AE11-CD42-BE9D-4CB8728E4A7A}" type="datetimeFigureOut">
               <a:rPr lang="en-GB" smtClean="0"/>
-              <a:t>21/05/2018</a:t>
+              <a:t>22/05/2018</a:t>
             </a:fld>
             <a:endParaRPr lang="en-GB"/>
           </a:p>
@@ -2113,7 +2113,7 @@
           <a:p>
             <a:fld id="{6A507EA9-AE11-CD42-BE9D-4CB8728E4A7A}" type="datetimeFigureOut">
               <a:rPr lang="en-GB" smtClean="0"/>
-              <a:t>21/05/2018</a:t>
+              <a:t>22/05/2018</a:t>
             </a:fld>
             <a:endParaRPr lang="en-GB"/>
           </a:p>
@@ -2370,7 +2370,7 @@
           <a:p>
             <a:fld id="{6A507EA9-AE11-CD42-BE9D-4CB8728E4A7A}" type="datetimeFigureOut">
               <a:rPr lang="en-GB" smtClean="0"/>
-              <a:t>21/05/2018</a:t>
+              <a:t>22/05/2018</a:t>
             </a:fld>
             <a:endParaRPr lang="en-GB"/>
           </a:p>
@@ -2583,7 +2583,7 @@
           <a:p>
             <a:fld id="{6A507EA9-AE11-CD42-BE9D-4CB8728E4A7A}" type="datetimeFigureOut">
               <a:rPr lang="en-GB" smtClean="0"/>
-              <a:t>21/05/2018</a:t>
+              <a:t>22/05/2018</a:t>
             </a:fld>
             <a:endParaRPr lang="en-GB"/>
           </a:p>
@@ -3008,7 +3008,7 @@
           <a:prstGeom prst="line">
             <a:avLst/>
           </a:prstGeom>
-          <a:ln w="381000">
+          <a:ln w="762000">
             <a:solidFill>
               <a:schemeClr val="tx1"/>
             </a:solidFill>
@@ -3081,7 +3081,7 @@
           <a:prstGeom prst="line">
             <a:avLst/>
           </a:prstGeom>
-          <a:ln w="381000">
+          <a:ln w="762000">
             <a:solidFill>
               <a:schemeClr val="tx1"/>
             </a:solidFill>
@@ -3154,7 +3154,7 @@
           <a:prstGeom prst="line">
             <a:avLst/>
           </a:prstGeom>
-          <a:ln w="381000">
+          <a:ln w="762000">
             <a:solidFill>
               <a:schemeClr val="tx1"/>
             </a:solidFill>
@@ -3195,7 +3195,7 @@
           <a:prstGeom prst="line">
             <a:avLst/>
           </a:prstGeom>
-          <a:ln w="381000">
+          <a:ln w="762000">
             <a:solidFill>
               <a:schemeClr val="tx1"/>
             </a:solidFill>
@@ -3439,7 +3439,7 @@
             </a:pathLst>
           </a:custGeom>
           <a:noFill/>
-          <a:ln w="381000">
+          <a:ln w="762000">
             <a:solidFill>
               <a:schemeClr val="tx1"/>
             </a:solidFill>
@@ -3693,7 +3693,7 @@
             </a:pathLst>
           </a:custGeom>
           <a:noFill/>
-          <a:ln w="381000">
+          <a:ln w="762000">
             <a:solidFill>
               <a:schemeClr val="tx1"/>
             </a:solidFill>
@@ -3949,7 +3949,7 @@
             </a:pathLst>
           </a:custGeom>
           <a:noFill/>
-          <a:ln w="381000">
+          <a:ln w="762000">
             <a:solidFill>
               <a:schemeClr val="tx1"/>
             </a:solidFill>
@@ -4205,7 +4205,7 @@
             </a:pathLst>
           </a:custGeom>
           <a:noFill/>
-          <a:ln w="381000">
+          <a:ln w="762000">
             <a:solidFill>
               <a:schemeClr val="tx1"/>
             </a:solidFill>
